--- a/Presentation.pptx
+++ b/Presentation.pptx
@@ -126,6 +126,11 @@
       </a:defRPr>
     </a:lvl9pPr>
   </p:defaultTextStyle>
+  <p:extLst>
+    <p:ext uri="{EFAFB233-063F-42B5-8137-9DF3F51BA10A}">
+      <p15:sldGuideLst xmlns:p15="http://schemas.microsoft.com/office/powerpoint/2012/main"/>
+    </p:ext>
+  </p:extLst>
 </p:presentation>
 </file>
 
@@ -2871,7 +2876,7 @@
           <a:p>
             <a:fld id="{74CB1C06-F376-9647-A904-729A1E004E6B}" type="datetimeFigureOut">
               <a:rPr lang="en-US" smtClean="0"/>
-              <a:t>1/30/23</a:t>
+              <a:t>2/9/23</a:t>
             </a:fld>
             <a:endParaRPr lang="en-US"/>
           </a:p>
@@ -3041,7 +3046,7 @@
           <a:p>
             <a:fld id="{74CB1C06-F376-9647-A904-729A1E004E6B}" type="datetimeFigureOut">
               <a:rPr lang="en-US" smtClean="0"/>
-              <a:t>1/30/23</a:t>
+              <a:t>2/9/23</a:t>
             </a:fld>
             <a:endParaRPr lang="en-US"/>
           </a:p>
@@ -3221,7 +3226,7 @@
           <a:p>
             <a:fld id="{74CB1C06-F376-9647-A904-729A1E004E6B}" type="datetimeFigureOut">
               <a:rPr lang="en-US" smtClean="0"/>
-              <a:t>1/30/23</a:t>
+              <a:t>2/9/23</a:t>
             </a:fld>
             <a:endParaRPr lang="en-US"/>
           </a:p>
@@ -3391,7 +3396,7 @@
           <a:p>
             <a:fld id="{74CB1C06-F376-9647-A904-729A1E004E6B}" type="datetimeFigureOut">
               <a:rPr lang="en-US" smtClean="0"/>
-              <a:t>1/30/23</a:t>
+              <a:t>2/9/23</a:t>
             </a:fld>
             <a:endParaRPr lang="en-US"/>
           </a:p>
@@ -3635,7 +3640,7 @@
           <a:p>
             <a:fld id="{74CB1C06-F376-9647-A904-729A1E004E6B}" type="datetimeFigureOut">
               <a:rPr lang="en-US" smtClean="0"/>
-              <a:t>1/30/23</a:t>
+              <a:t>2/9/23</a:t>
             </a:fld>
             <a:endParaRPr lang="en-US"/>
           </a:p>
@@ -3867,7 +3872,7 @@
           <a:p>
             <a:fld id="{74CB1C06-F376-9647-A904-729A1E004E6B}" type="datetimeFigureOut">
               <a:rPr lang="en-US" smtClean="0"/>
-              <a:t>1/30/23</a:t>
+              <a:t>2/9/23</a:t>
             </a:fld>
             <a:endParaRPr lang="en-US"/>
           </a:p>
@@ -4234,7 +4239,7 @@
           <a:p>
             <a:fld id="{74CB1C06-F376-9647-A904-729A1E004E6B}" type="datetimeFigureOut">
               <a:rPr lang="en-US" smtClean="0"/>
-              <a:t>1/30/23</a:t>
+              <a:t>2/9/23</a:t>
             </a:fld>
             <a:endParaRPr lang="en-US"/>
           </a:p>
@@ -4352,7 +4357,7 @@
           <a:p>
             <a:fld id="{74CB1C06-F376-9647-A904-729A1E004E6B}" type="datetimeFigureOut">
               <a:rPr lang="en-US" smtClean="0"/>
-              <a:t>1/30/23</a:t>
+              <a:t>2/9/23</a:t>
             </a:fld>
             <a:endParaRPr lang="en-US"/>
           </a:p>
@@ -4447,7 +4452,7 @@
           <a:p>
             <a:fld id="{74CB1C06-F376-9647-A904-729A1E004E6B}" type="datetimeFigureOut">
               <a:rPr lang="en-US" smtClean="0"/>
-              <a:t>1/30/23</a:t>
+              <a:t>2/9/23</a:t>
             </a:fld>
             <a:endParaRPr lang="en-US"/>
           </a:p>
@@ -4724,7 +4729,7 @@
           <a:p>
             <a:fld id="{74CB1C06-F376-9647-A904-729A1E004E6B}" type="datetimeFigureOut">
               <a:rPr lang="en-US" smtClean="0"/>
-              <a:t>1/30/23</a:t>
+              <a:t>2/9/23</a:t>
             </a:fld>
             <a:endParaRPr lang="en-US"/>
           </a:p>
@@ -4981,7 +4986,7 @@
           <a:p>
             <a:fld id="{74CB1C06-F376-9647-A904-729A1E004E6B}" type="datetimeFigureOut">
               <a:rPr lang="en-US" smtClean="0"/>
-              <a:t>1/30/23</a:t>
+              <a:t>2/9/23</a:t>
             </a:fld>
             <a:endParaRPr lang="en-US"/>
           </a:p>
@@ -5194,7 +5199,7 @@
           <a:p>
             <a:fld id="{74CB1C06-F376-9647-A904-729A1E004E6B}" type="datetimeFigureOut">
               <a:rPr lang="en-US" smtClean="0"/>
-              <a:t>1/30/23</a:t>
+              <a:t>2/9/23</a:t>
             </a:fld>
             <a:endParaRPr lang="en-US"/>
           </a:p>
@@ -6070,8 +6075,8 @@
           </a:p>
         </p:txBody>
       </p:sp>
-      <mc:AlternateContent xmlns:mc="http://schemas.openxmlformats.org/markup-compatibility/2006">
-        <mc:Choice xmlns:a14="http://schemas.microsoft.com/office/drawing/2010/main" Requires="a14">
+      <mc:AlternateContent xmlns:mc="http://schemas.openxmlformats.org/markup-compatibility/2006" xmlns:a14="http://schemas.microsoft.com/office/drawing/2010/main">
+        <mc:Choice Requires="a14">
           <p:sp>
             <p:nvSpPr>
               <p:cNvPr id="3" name="Content Placeholder 2">
@@ -6189,7 +6194,7 @@
             </p:txBody>
           </p:sp>
         </mc:Choice>
-        <mc:Fallback>
+        <mc:Fallback xmlns="">
           <p:sp>
             <p:nvSpPr>
               <p:cNvPr id="3" name="Content Placeholder 2">
@@ -7061,8 +7066,8 @@
           <a:chExt cx="0" cy="0"/>
         </a:xfrm>
       </p:grpSpPr>
-      <mc:AlternateContent xmlns:mc="http://schemas.openxmlformats.org/markup-compatibility/2006">
-        <mc:Choice xmlns:a14="http://schemas.microsoft.com/office/drawing/2010/main" Requires="a14">
+      <mc:AlternateContent xmlns:mc="http://schemas.openxmlformats.org/markup-compatibility/2006" xmlns:a14="http://schemas.microsoft.com/office/drawing/2010/main">
+        <mc:Choice Requires="a14">
           <p:sp>
             <p:nvSpPr>
               <p:cNvPr id="3" name="Content Placeholder 2">
@@ -7136,7 +7141,7 @@
             </p:txBody>
           </p:sp>
         </mc:Choice>
-        <mc:Fallback>
+        <mc:Fallback xmlns="">
           <p:sp>
             <p:nvSpPr>
               <p:cNvPr id="3" name="Content Placeholder 2">
@@ -8327,8 +8332,8 @@
           </a:p>
         </p:txBody>
       </p:sp>
-      <mc:AlternateContent xmlns:mc="http://schemas.openxmlformats.org/markup-compatibility/2006">
-        <mc:Choice xmlns:a14="http://schemas.microsoft.com/office/drawing/2010/main" Requires="a14">
+      <mc:AlternateContent xmlns:mc="http://schemas.openxmlformats.org/markup-compatibility/2006" xmlns:a14="http://schemas.microsoft.com/office/drawing/2010/main">
+        <mc:Choice Requires="a14">
           <p:sp>
             <p:nvSpPr>
               <p:cNvPr id="10" name="TextBox 9">
@@ -8433,7 +8438,7 @@
             </p:txBody>
           </p:sp>
         </mc:Choice>
-        <mc:Fallback>
+        <mc:Fallback xmlns="">
           <p:sp>
             <p:nvSpPr>
               <p:cNvPr id="10" name="TextBox 9">
@@ -8478,8 +8483,8 @@
           </p:sp>
         </mc:Fallback>
       </mc:AlternateContent>
-      <mc:AlternateContent xmlns:mc="http://schemas.openxmlformats.org/markup-compatibility/2006">
-        <mc:Choice xmlns:a14="http://schemas.microsoft.com/office/drawing/2010/main" Requires="a14">
+      <mc:AlternateContent xmlns:mc="http://schemas.openxmlformats.org/markup-compatibility/2006" xmlns:a14="http://schemas.microsoft.com/office/drawing/2010/main">
+        <mc:Choice Requires="a14">
           <p:sp>
             <p:nvSpPr>
               <p:cNvPr id="11" name="TextBox 10">
@@ -8568,7 +8573,7 @@
             </p:txBody>
           </p:sp>
         </mc:Choice>
-        <mc:Fallback>
+        <mc:Fallback xmlns="">
           <p:sp>
             <p:nvSpPr>
               <p:cNvPr id="11" name="TextBox 10">
@@ -8613,8 +8618,8 @@
           </p:sp>
         </mc:Fallback>
       </mc:AlternateContent>
-      <mc:AlternateContent xmlns:mc="http://schemas.openxmlformats.org/markup-compatibility/2006">
-        <mc:Choice xmlns:a14="http://schemas.microsoft.com/office/drawing/2010/main" Requires="a14">
+      <mc:AlternateContent xmlns:mc="http://schemas.openxmlformats.org/markup-compatibility/2006" xmlns:a14="http://schemas.microsoft.com/office/drawing/2010/main">
+        <mc:Choice Requires="a14">
           <p:sp>
             <p:nvSpPr>
               <p:cNvPr id="12" name="TextBox 11">
@@ -8895,7 +8900,7 @@
             </p:txBody>
           </p:sp>
         </mc:Choice>
-        <mc:Fallback>
+        <mc:Fallback xmlns="">
           <p:sp>
             <p:nvSpPr>
               <p:cNvPr id="12" name="TextBox 11">
@@ -8940,8 +8945,8 @@
           </p:sp>
         </mc:Fallback>
       </mc:AlternateContent>
-      <mc:AlternateContent xmlns:mc="http://schemas.openxmlformats.org/markup-compatibility/2006">
-        <mc:Choice xmlns:a14="http://schemas.microsoft.com/office/drawing/2010/main" Requires="a14">
+      <mc:AlternateContent xmlns:mc="http://schemas.openxmlformats.org/markup-compatibility/2006" xmlns:a14="http://schemas.microsoft.com/office/drawing/2010/main">
+        <mc:Choice Requires="a14">
           <p:sp>
             <p:nvSpPr>
               <p:cNvPr id="13" name="TextBox 12">
@@ -9144,7 +9149,7 @@
             </p:txBody>
           </p:sp>
         </mc:Choice>
-        <mc:Fallback>
+        <mc:Fallback xmlns="">
           <p:sp>
             <p:nvSpPr>
               <p:cNvPr id="13" name="TextBox 12">
@@ -9765,8 +9770,8 @@
           </a:fontRef>
         </p:style>
       </p:cxnSp>
-      <mc:AlternateContent xmlns:mc="http://schemas.openxmlformats.org/markup-compatibility/2006">
-        <mc:Choice xmlns:a14="http://schemas.microsoft.com/office/drawing/2010/main" Requires="a14">
+      <mc:AlternateContent xmlns:mc="http://schemas.openxmlformats.org/markup-compatibility/2006" xmlns:a14="http://schemas.microsoft.com/office/drawing/2010/main">
+        <mc:Choice Requires="a14">
           <p:sp>
             <p:nvSpPr>
               <p:cNvPr id="15" name="TextBox 14">
@@ -9863,7 +9868,7 @@
             </p:txBody>
           </p:sp>
         </mc:Choice>
-        <mc:Fallback>
+        <mc:Fallback xmlns="">
           <p:sp>
             <p:nvSpPr>
               <p:cNvPr id="15" name="TextBox 14">
@@ -9996,8 +10001,8 @@
           </a:fontRef>
         </p:style>
       </p:cxnSp>
-      <mc:AlternateContent xmlns:mc="http://schemas.openxmlformats.org/markup-compatibility/2006">
-        <mc:Choice xmlns:a14="http://schemas.microsoft.com/office/drawing/2010/main" Requires="a14">
+      <mc:AlternateContent xmlns:mc="http://schemas.openxmlformats.org/markup-compatibility/2006" xmlns:a14="http://schemas.microsoft.com/office/drawing/2010/main">
+        <mc:Choice Requires="a14">
           <p:sp>
             <p:nvSpPr>
               <p:cNvPr id="20" name="TextBox 19">
@@ -10083,7 +10088,7 @@
             </p:txBody>
           </p:sp>
         </mc:Choice>
-        <mc:Fallback>
+        <mc:Fallback xmlns="">
           <p:sp>
             <p:nvSpPr>
               <p:cNvPr id="20" name="TextBox 19">
@@ -12000,8 +12005,12 @@
               <a:buAutoNum type="arabicPeriod"/>
             </a:pPr>
             <a:r>
+              <a:rPr lang="en-US"/>
+              <a:t>Mathematics </a:t>
+            </a:r>
+            <a:r>
               <a:rPr lang="en-US" dirty="0"/>
-              <a:t>Theory of </a:t>
+              <a:t>of </a:t>
             </a:r>
             <a:r>
               <a:rPr lang="en-US" b="1" dirty="0" err="1"/>
